--- a/Presentation.pptx
+++ b/Presentation.pptx
@@ -322,9 +322,11 @@
 <p1510:revInfo xmlns:a="http://schemas.openxmlformats.org/drawingml/2006/main" xmlns:r="http://schemas.openxmlformats.org/officeDocument/2006/relationships" xmlns:p1510="http://schemas.microsoft.com/office/powerpoint/2015/10/main">
   <p1510:revLst>
     <p1510:client id="{3283AAD4-A62B-4F0E-8F1B-AB7D92C92A1F}" v="412" dt="2020-12-20T11:14:59.704"/>
+    <p1510:client id="{5DCC4DAA-4B87-4109-96CC-BF99A5F2AE07}" v="40" dt="2020-12-21T08:43:49.860"/>
     <p1510:client id="{5EC9D8A4-D010-41B9-9297-3F87553DFC96}" v="34" dt="2020-12-20T14:00:05.317"/>
     <p1510:client id="{CE46825C-6812-4036-9608-9001BC2E9AA6}" v="1680" dt="2020-12-20T11:09:51.284"/>
     <p1510:client id="{D28BE9FE-F395-48FB-B0B6-74D9ECCC3B4A}" v="281" dt="2020-12-20T14:02:17.657"/>
+    <p1510:client id="{F434F7CC-B363-4C84-B8CD-58F25953DA0E}" v="6" dt="2020-12-21T08:33:45.667"/>
   </p1510:revLst>
 </p1510:revInfo>
 </file>
@@ -7960,8 +7962,8 @@
           </a:prstGeom>
         </p:spPr>
       </p:pic>
-      <mc:AlternateContent xmlns:mc="http://schemas.openxmlformats.org/markup-compatibility/2006" xmlns:a14="http://schemas.microsoft.com/office/drawing/2010/main">
-        <mc:Choice Requires="a14">
+      <mc:AlternateContent xmlns:mc="http://schemas.openxmlformats.org/markup-compatibility/2006">
+        <mc:Choice xmlns:a14="http://schemas.microsoft.com/office/drawing/2010/main" Requires="a14">
           <p:sp>
             <p:nvSpPr>
               <p:cNvPr id="2" name="CasellaDiTesto 1">
@@ -8007,7 +8009,7 @@
                         <a:rPr lang="it-IT" b="0" i="1" smtClean="0">
                           <a:latin typeface="Cambria Math" panose="02040503050406030204" pitchFamily="18" charset="0"/>
                         </a:rPr>
-                        <m:t>=567,3801−243.6787∗</m:t>
+                        <m:t>=567.3801−243.6787∗</m:t>
                       </m:r>
                       <m:r>
                         <a:rPr lang="it-IT" b="0" i="1" smtClean="0">
@@ -8059,7 +8061,7 @@
             </p:txBody>
           </p:sp>
         </mc:Choice>
-        <mc:Fallback xmlns="">
+        <mc:Fallback>
           <p:sp>
             <p:nvSpPr>
               <p:cNvPr id="2" name="CasellaDiTesto 1">
@@ -9078,8 +9080,8 @@
           </a:prstGeom>
         </p:spPr>
       </p:pic>
-      <mc:AlternateContent xmlns:mc="http://schemas.openxmlformats.org/markup-compatibility/2006" xmlns:a14="http://schemas.microsoft.com/office/drawing/2010/main">
-        <mc:Choice Requires="a14">
+      <mc:AlternateContent xmlns:mc="http://schemas.openxmlformats.org/markup-compatibility/2006">
+        <mc:Choice xmlns:a14="http://schemas.microsoft.com/office/drawing/2010/main" Requires="a14">
           <p:sp>
             <p:nvSpPr>
               <p:cNvPr id="7" name="CasellaDiTesto 6">
@@ -9125,7 +9127,7 @@
                         <a:rPr lang="it-IT" b="0" i="1" smtClean="0">
                           <a:latin typeface="Cambria Math" panose="02040503050406030204" pitchFamily="18" charset="0"/>
                         </a:rPr>
-                        <m:t>=45,2371−0,0180∗</m:t>
+                        <m:t>=45.2371−0.0180∗</m:t>
                       </m:r>
                       <m:r>
                         <a:rPr lang="it-IT" b="0" i="1" smtClean="0">
@@ -9137,7 +9139,7 @@
                         <a:rPr lang="it-IT" b="0" i="1" smtClean="0">
                           <a:latin typeface="Cambria Math" panose="02040503050406030204" pitchFamily="18" charset="0"/>
                         </a:rPr>
-                        <m:t>−0,7831∗</m:t>
+                        <m:t>−0.7831∗</m:t>
                       </m:r>
                       <m:r>
                         <a:rPr lang="it-IT" b="0" i="1" smtClean="0">
@@ -9148,12 +9150,12 @@
                     </m:oMath>
                   </m:oMathPara>
                 </a14:m>
-                <a:endParaRPr lang="it-IT"/>
+                <a:endParaRPr lang="it-IT" dirty="0"/>
               </a:p>
             </p:txBody>
           </p:sp>
         </mc:Choice>
-        <mc:Fallback xmlns="">
+        <mc:Fallback>
           <p:sp>
             <p:nvSpPr>
               <p:cNvPr id="7" name="CasellaDiTesto 6">
@@ -10152,8 +10154,8 @@
           </a:prstGeom>
         </p:spPr>
       </p:pic>
-      <mc:AlternateContent xmlns:mc="http://schemas.openxmlformats.org/markup-compatibility/2006" xmlns:a14="http://schemas.microsoft.com/office/drawing/2010/main">
-        <mc:Choice Requires="a14">
+      <mc:AlternateContent xmlns:mc="http://schemas.openxmlformats.org/markup-compatibility/2006">
+        <mc:Choice xmlns:a14="http://schemas.microsoft.com/office/drawing/2010/main" Requires="a14">
           <p:sp>
             <p:nvSpPr>
               <p:cNvPr id="7" name="CasellaDiTesto 6">
@@ -10199,7 +10201,7 @@
                         <a:rPr lang="it-IT" b="0" i="1" smtClean="0">
                           <a:latin typeface="Cambria Math" panose="02040503050406030204" pitchFamily="18" charset="0"/>
                         </a:rPr>
-                        <m:t>=18,2186−0,0139∗</m:t>
+                        <m:t>=18.2186−0.0139∗</m:t>
                       </m:r>
                       <m:r>
                         <a:rPr lang="it-IT" b="0" i="1" smtClean="0">
@@ -10211,7 +10213,7 @@
                         <a:rPr lang="it-IT" b="0" i="1" smtClean="0">
                           <a:latin typeface="Cambria Math" panose="02040503050406030204" pitchFamily="18" charset="0"/>
                         </a:rPr>
-                        <m:t>+1,0881∗</m:t>
+                        <m:t>+1.0881∗</m:t>
                       </m:r>
                       <m:r>
                         <a:rPr lang="it-IT" b="0" i="1" smtClean="0">
@@ -10222,12 +10224,12 @@
                     </m:oMath>
                   </m:oMathPara>
                 </a14:m>
-                <a:endParaRPr lang="it-IT"/>
+                <a:endParaRPr lang="it-IT" dirty="0"/>
               </a:p>
             </p:txBody>
           </p:sp>
         </mc:Choice>
-        <mc:Fallback xmlns="">
+        <mc:Fallback>
           <p:sp>
             <p:nvSpPr>
               <p:cNvPr id="7" name="CasellaDiTesto 6">
@@ -13386,8 +13388,8 @@
           </a:p>
         </p:txBody>
       </p:sp>
-      <mc:AlternateContent xmlns:mc="http://schemas.openxmlformats.org/markup-compatibility/2006" xmlns:a14="http://schemas.microsoft.com/office/drawing/2010/main">
-        <mc:Choice Requires="a14">
+      <mc:AlternateContent xmlns:mc="http://schemas.openxmlformats.org/markup-compatibility/2006">
+        <mc:Choice xmlns:a14="http://schemas.microsoft.com/office/drawing/2010/main" Requires="a14">
           <p:sp>
             <p:nvSpPr>
               <p:cNvPr id="7" name="CasellaDiTesto 6">
@@ -13559,7 +13561,7 @@
                         <a:rPr lang="it-IT" b="0" i="1" smtClean="0">
                           <a:latin typeface="Cambria Math" panose="02040503050406030204" pitchFamily="18" charset="0"/>
                         </a:rPr>
-                        <m:t>𝑠𝑒𝑥</m:t>
+                        <m:t>𝑑𝑜𝑠𝑒</m:t>
                       </m:r>
                     </m:oMath>
                   </m:oMathPara>
@@ -13569,7 +13571,7 @@
             </p:txBody>
           </p:sp>
         </mc:Choice>
-        <mc:Fallback xmlns="">
+        <mc:Fallback>
           <p:sp>
             <p:nvSpPr>
               <p:cNvPr id="7" name="CasellaDiTesto 6">
@@ -13638,36 +13640,6 @@
           <a:xfrm>
             <a:off x="-3" y="1645517"/>
             <a:ext cx="9144000" cy="3497983"/>
-          </a:xfrm>
-          <a:prstGeom prst="rect">
-            <a:avLst/>
-          </a:prstGeom>
-        </p:spPr>
-      </p:pic>
-      <p:pic>
-        <p:nvPicPr>
-          <p:cNvPr id="6" name="Immagine 5">
-            <a:extLst>
-              <a:ext uri="{FF2B5EF4-FFF2-40B4-BE49-F238E27FC236}">
-                <a16:creationId xmlns:a16="http://schemas.microsoft.com/office/drawing/2014/main" id="{737E432F-1329-45DB-8ECE-F3F35AB36025}"/>
-              </a:ext>
-            </a:extLst>
-          </p:cNvPr>
-          <p:cNvPicPr>
-            <a:picLocks noChangeAspect="1"/>
-          </p:cNvPicPr>
-          <p:nvPr/>
-        </p:nvPicPr>
-        <p:blipFill>
-          <a:blip r:embed="rId5"/>
-          <a:stretch>
-            <a:fillRect/>
-          </a:stretch>
-        </p:blipFill>
-        <p:spPr>
-          <a:xfrm>
-            <a:off x="7729438" y="3638"/>
-            <a:ext cx="1414559" cy="1694883"/>
           </a:xfrm>
           <a:prstGeom prst="rect">
             <a:avLst/>
@@ -14002,6 +13974,36 @@
           <a:xfrm>
             <a:off x="6190951" y="1805822"/>
             <a:ext cx="2953049" cy="2326427"/>
+          </a:xfrm>
+          <a:prstGeom prst="rect">
+            <a:avLst/>
+          </a:prstGeom>
+        </p:spPr>
+      </p:pic>
+      <p:pic>
+        <p:nvPicPr>
+          <p:cNvPr id="7" name="Immagine 6">
+            <a:extLst>
+              <a:ext uri="{FF2B5EF4-FFF2-40B4-BE49-F238E27FC236}">
+                <a16:creationId xmlns:a16="http://schemas.microsoft.com/office/drawing/2014/main" id="{0FA65B1B-C8DA-443B-A26C-303551EA61F2}"/>
+              </a:ext>
+            </a:extLst>
+          </p:cNvPr>
+          <p:cNvPicPr>
+            <a:picLocks noChangeAspect="1"/>
+          </p:cNvPicPr>
+          <p:nvPr/>
+        </p:nvPicPr>
+        <p:blipFill>
+          <a:blip r:embed="rId6"/>
+          <a:stretch>
+            <a:fillRect/>
+          </a:stretch>
+        </p:blipFill>
+        <p:spPr>
+          <a:xfrm>
+            <a:off x="7729438" y="3638"/>
+            <a:ext cx="1414559" cy="1694883"/>
           </a:xfrm>
           <a:prstGeom prst="rect">
             <a:avLst/>
@@ -15030,36 +15032,6 @@
           </a:p>
         </p:txBody>
       </p:sp>
-      <p:pic>
-        <p:nvPicPr>
-          <p:cNvPr id="4" name="Immagine 3">
-            <a:extLst>
-              <a:ext uri="{FF2B5EF4-FFF2-40B4-BE49-F238E27FC236}">
-                <a16:creationId xmlns:a16="http://schemas.microsoft.com/office/drawing/2014/main" id="{2BD9F72C-59CF-482D-8CE8-A11C731D71D5}"/>
-              </a:ext>
-            </a:extLst>
-          </p:cNvPr>
-          <p:cNvPicPr>
-            <a:picLocks noChangeAspect="1"/>
-          </p:cNvPicPr>
-          <p:nvPr/>
-        </p:nvPicPr>
-        <p:blipFill>
-          <a:blip r:embed="rId3"/>
-          <a:stretch>
-            <a:fillRect/>
-          </a:stretch>
-        </p:blipFill>
-        <p:spPr>
-          <a:xfrm>
-            <a:off x="1020725" y="1004344"/>
-            <a:ext cx="7102549" cy="3520540"/>
-          </a:xfrm>
-          <a:prstGeom prst="rect">
-            <a:avLst/>
-          </a:prstGeom>
-        </p:spPr>
-      </p:pic>
       <p:grpSp>
         <p:nvGrpSpPr>
           <p:cNvPr id="8" name="Google Shape;485;p38">
@@ -16005,6 +15977,65 @@
           </p:txBody>
         </p:sp>
       </p:grpSp>
+      <p:pic>
+        <p:nvPicPr>
+          <p:cNvPr id="12" name="Immagine 11">
+            <a:extLst>
+              <a:ext uri="{FF2B5EF4-FFF2-40B4-BE49-F238E27FC236}">
+                <a16:creationId xmlns:a16="http://schemas.microsoft.com/office/drawing/2014/main" id="{2B4F658F-3C73-4F21-AC10-6F914A68FADF}"/>
+              </a:ext>
+            </a:extLst>
+          </p:cNvPr>
+          <p:cNvPicPr>
+            <a:picLocks noChangeAspect="1"/>
+          </p:cNvPicPr>
+          <p:nvPr/>
+        </p:nvPicPr>
+        <p:blipFill>
+          <a:blip r:embed="rId3"/>
+          <a:stretch>
+            <a:fillRect/>
+          </a:stretch>
+        </p:blipFill>
+        <p:spPr>
+          <a:xfrm>
+            <a:off x="0" y="1727792"/>
+            <a:ext cx="9144000" cy="3417455"/>
+          </a:xfrm>
+          <a:prstGeom prst="rect">
+            <a:avLst/>
+          </a:prstGeom>
+        </p:spPr>
+      </p:pic>
+      <p:pic>
+        <p:nvPicPr>
+          <p:cNvPr id="9" name="Immagine 8">
+            <a:extLst>
+              <a:ext uri="{FF2B5EF4-FFF2-40B4-BE49-F238E27FC236}">
+                <a16:creationId xmlns:a16="http://schemas.microsoft.com/office/drawing/2014/main" id="{C3C8C650-DE55-43F2-BC0C-1521E9684B11}"/>
+              </a:ext>
+            </a:extLst>
+          </p:cNvPr>
+          <p:cNvPicPr>
+            <a:picLocks noChangeAspect="1"/>
+          </p:cNvPicPr>
+          <p:nvPr/>
+        </p:nvPicPr>
+        <p:blipFill rotWithShape="1">
+          <a:blip r:embed="rId4"/>
+          <a:srcRect l="667"/>
+          <a:stretch/>
+        </p:blipFill>
+        <p:spPr>
+          <a:xfrm>
+            <a:off x="7031357" y="133076"/>
+            <a:ext cx="1766736" cy="1366086"/>
+          </a:xfrm>
+          <a:prstGeom prst="rect">
+            <a:avLst/>
+          </a:prstGeom>
+        </p:spPr>
+      </p:pic>
     </p:spTree>
     <p:extLst>
       <p:ext uri="{BB962C8B-B14F-4D97-AF65-F5344CB8AC3E}">

--- a/Presentation.pptx
+++ b/Presentation.pptx
@@ -1,74 +1,40 @@
 
 <file path=ppt/presentation.xml><?xml version="1.0" encoding="utf-8"?>
-<p:presentation xmlns:a="http://schemas.openxmlformats.org/drawingml/2006/main" xmlns:r="http://schemas.openxmlformats.org/officeDocument/2006/relationships" xmlns:p="http://schemas.openxmlformats.org/presentationml/2006/main" showSpecialPlsOnTitleSld="0" strictFirstAndLastChars="0" embedTrueTypeFonts="1" saveSubsetFonts="1" autoCompressPictures="0">
+<p:presentation xmlns:a="http://schemas.openxmlformats.org/drawingml/2006/main" xmlns:r="http://schemas.openxmlformats.org/officeDocument/2006/relationships" xmlns:p="http://schemas.openxmlformats.org/presentationml/2006/main" showSpecialPlsOnTitleSld="0" strictFirstAndLastChars="0" saveSubsetFonts="1" autoCompressPictures="0">
   <p:sldMasterIdLst>
-    <p:sldMasterId id="2147483659" r:id="rId1"/>
+    <p:sldMasterId id="2147483649" r:id="rId1"/>
   </p:sldMasterIdLst>
   <p:notesMasterIdLst>
     <p:notesMasterId r:id="rId26"/>
   </p:notesMasterIdLst>
   <p:sldIdLst>
     <p:sldId id="256" r:id="rId2"/>
-    <p:sldId id="259" r:id="rId3"/>
+    <p:sldId id="258" r:id="rId3"/>
     <p:sldId id="257" r:id="rId4"/>
-    <p:sldId id="295" r:id="rId5"/>
-    <p:sldId id="284" r:id="rId6"/>
-    <p:sldId id="265" r:id="rId7"/>
-    <p:sldId id="268" r:id="rId8"/>
-    <p:sldId id="276" r:id="rId9"/>
-    <p:sldId id="293" r:id="rId10"/>
-    <p:sldId id="294" r:id="rId11"/>
-    <p:sldId id="289" r:id="rId12"/>
-    <p:sldId id="290" r:id="rId13"/>
-    <p:sldId id="278" r:id="rId14"/>
-    <p:sldId id="283" r:id="rId15"/>
-    <p:sldId id="291" r:id="rId16"/>
-    <p:sldId id="285" r:id="rId17"/>
-    <p:sldId id="267" r:id="rId18"/>
-    <p:sldId id="292" r:id="rId19"/>
-    <p:sldId id="286" r:id="rId20"/>
-    <p:sldId id="272" r:id="rId21"/>
-    <p:sldId id="296" r:id="rId22"/>
-    <p:sldId id="287" r:id="rId23"/>
-    <p:sldId id="297" r:id="rId24"/>
-    <p:sldId id="275" r:id="rId25"/>
+    <p:sldId id="259" r:id="rId5"/>
+    <p:sldId id="260" r:id="rId6"/>
+    <p:sldId id="261" r:id="rId7"/>
+    <p:sldId id="262" r:id="rId8"/>
+    <p:sldId id="263" r:id="rId9"/>
+    <p:sldId id="264" r:id="rId10"/>
+    <p:sldId id="265" r:id="rId11"/>
+    <p:sldId id="266" r:id="rId12"/>
+    <p:sldId id="267" r:id="rId13"/>
+    <p:sldId id="268" r:id="rId14"/>
+    <p:sldId id="269" r:id="rId15"/>
+    <p:sldId id="270" r:id="rId16"/>
+    <p:sldId id="271" r:id="rId17"/>
+    <p:sldId id="272" r:id="rId18"/>
+    <p:sldId id="273" r:id="rId19"/>
+    <p:sldId id="274" r:id="rId20"/>
+    <p:sldId id="275" r:id="rId21"/>
+    <p:sldId id="276" r:id="rId22"/>
+    <p:sldId id="277" r:id="rId23"/>
+    <p:sldId id="278" r:id="rId24"/>
+    <p:sldId id="279" r:id="rId25"/>
   </p:sldIdLst>
   <p:sldSz cx="9144000" cy="5143500" type="screen16x9"/>
   <p:notesSz cx="6858000" cy="9144000"/>
-  <p:embeddedFontLst>
-    <p:embeddedFont>
-      <p:font typeface="Calibri" panose="020F0502020204030204" pitchFamily="34" charset="0"/>
-      <p:regular r:id="rId27"/>
-      <p:bold r:id="rId28"/>
-      <p:italic r:id="rId29"/>
-      <p:boldItalic r:id="rId30"/>
-    </p:embeddedFont>
-    <p:embeddedFont>
-      <p:font typeface="Cambria Math" panose="02040503050406030204" pitchFamily="18" charset="0"/>
-      <p:regular r:id="rId31"/>
-    </p:embeddedFont>
-    <p:embeddedFont>
-      <p:font typeface="Inria Serif" panose="020B0604020202020204" charset="0"/>
-      <p:regular r:id="rId32"/>
-      <p:bold r:id="rId33"/>
-      <p:italic r:id="rId34"/>
-      <p:boldItalic r:id="rId35"/>
-    </p:embeddedFont>
-    <p:embeddedFont>
-      <p:font typeface="Inria Serif Light" panose="020B0604020202020204" charset="0"/>
-      <p:regular r:id="rId36"/>
-      <p:bold r:id="rId37"/>
-      <p:italic r:id="rId38"/>
-      <p:boldItalic r:id="rId39"/>
-    </p:embeddedFont>
-    <p:embeddedFont>
-      <p:font typeface="Playfair Display Regular" panose="020B0604020202020204" charset="0"/>
-      <p:regular r:id="rId40"/>
-      <p:bold r:id="rId41"/>
-      <p:italic r:id="rId42"/>
-      <p:boldItalic r:id="rId43"/>
-    </p:embeddedFont>
-  </p:embeddedFontLst>
   <p:defaultTextStyle>
     <a:defPPr marR="0" lvl="0" algn="l" rtl="0">
       <a:lnSpc>
@@ -306,29 +272,87 @@
 </p:presentation>
 </file>
 
-<file path=ppt/commentAuthors.xml><?xml version="1.0" encoding="utf-8"?>
-<p:cmAuthorLst xmlns:a="http://schemas.openxmlformats.org/drawingml/2006/main" xmlns:r="http://schemas.openxmlformats.org/officeDocument/2006/relationships" xmlns:p="http://schemas.openxmlformats.org/presentationml/2006/main">
-  <p:cmAuthor id="1" name="Domenico Ragusa" initials="DR" lastIdx="2" clrIdx="0">
-    <p:extLst>
-      <p:ext uri="{19B8F6BF-5375-455C-9EA6-DF929625EA0E}">
-        <p15:presenceInfo xmlns:p15="http://schemas.microsoft.com/office/powerpoint/2012/main" userId="436070d8078f4314" providerId="Windows Live"/>
-      </p:ext>
-    </p:extLst>
-  </p:cmAuthor>
-</p:cmAuthorLst>
-</file>
-
 <file path=ppt/revisionInfo.xml><?xml version="1.0" encoding="utf-8"?>
 <p1510:revInfo xmlns:a="http://schemas.openxmlformats.org/drawingml/2006/main" xmlns:r="http://schemas.openxmlformats.org/officeDocument/2006/relationships" xmlns:p1510="http://schemas.microsoft.com/office/powerpoint/2015/10/main">
   <p1510:revLst>
-    <p1510:client id="{3283AAD4-A62B-4F0E-8F1B-AB7D92C92A1F}" v="412" dt="2020-12-20T11:14:59.704"/>
-    <p1510:client id="{5DCC4DAA-4B87-4109-96CC-BF99A5F2AE07}" v="40" dt="2020-12-21T08:43:49.860"/>
-    <p1510:client id="{5EC9D8A4-D010-41B9-9297-3F87553DFC96}" v="34" dt="2020-12-20T14:00:05.317"/>
-    <p1510:client id="{CE46825C-6812-4036-9608-9001BC2E9AA6}" v="1680" dt="2020-12-20T11:09:51.284"/>
-    <p1510:client id="{D28BE9FE-F395-48FB-B0B6-74D9ECCC3B4A}" v="281" dt="2020-12-20T14:02:17.657"/>
-    <p1510:client id="{F434F7CC-B363-4C84-B8CD-58F25953DA0E}" v="6" dt="2020-12-21T08:33:45.667"/>
+    <p1510:client id="{BE537ACD-8B08-4830-BC63-2263FABADBB6}" v="9" dt="2021-01-25T17:13:03.447"/>
   </p1510:revLst>
 </p1510:revInfo>
+</file>
+
+<file path=ppt/changesInfos/changesInfo1.xml><?xml version="1.0" encoding="utf-8"?>
+<pc:chgInfo xmlns:a="http://schemas.openxmlformats.org/drawingml/2006/main" xmlns:r="http://schemas.openxmlformats.org/officeDocument/2006/relationships" xmlns:ac="http://schemas.microsoft.com/office/drawing/2013/main/command" xmlns:pc="http://schemas.microsoft.com/office/powerpoint/2013/main/command">
+  <pc:docChgLst>
+    <pc:chgData name="Andrea Vergine" userId="890246548b1a9e12" providerId="LiveId" clId="{52B8FA68-3268-4C0B-BAC6-372F73B2379C}"/>
+    <pc:docChg chg="modSld">
+      <pc:chgData name="Andrea Vergine" userId="890246548b1a9e12" providerId="LiveId" clId="{52B8FA68-3268-4C0B-BAC6-372F73B2379C}" dt="2021-01-25T17:36:29.583" v="0" actId="1076"/>
+      <pc:docMkLst>
+        <pc:docMk/>
+      </pc:docMkLst>
+      <pc:sldChg chg="modSp mod">
+        <pc:chgData name="Andrea Vergine" userId="890246548b1a9e12" providerId="LiveId" clId="{52B8FA68-3268-4C0B-BAC6-372F73B2379C}" dt="2021-01-25T17:36:29.583" v="0" actId="1076"/>
+        <pc:sldMkLst>
+          <pc:docMk/>
+          <pc:sldMk cId="0" sldId="279"/>
+        </pc:sldMkLst>
+        <pc:grpChg chg="mod">
+          <ac:chgData name="Andrea Vergine" userId="890246548b1a9e12" providerId="LiveId" clId="{52B8FA68-3268-4C0B-BAC6-372F73B2379C}" dt="2021-01-25T17:36:29.583" v="0" actId="1076"/>
+          <ac:grpSpMkLst>
+            <pc:docMk/>
+            <pc:sldMk cId="0" sldId="279"/>
+            <ac:grpSpMk id="9" creationId="{A1C9EA8E-FF56-4B3A-BC4B-C7D28C36D45B}"/>
+          </ac:grpSpMkLst>
+        </pc:grpChg>
+      </pc:sldChg>
+    </pc:docChg>
+  </pc:docChgLst>
+  <pc:docChgLst>
+    <pc:chgData name="Andrea Vergine" userId="890246548b1a9e12" providerId="LiveId" clId="{BE537ACD-8B08-4830-BC63-2263FABADBB6}"/>
+    <pc:docChg chg="modSld sldOrd">
+      <pc:chgData name="Andrea Vergine" userId="890246548b1a9e12" providerId="LiveId" clId="{BE537ACD-8B08-4830-BC63-2263FABADBB6}" dt="2021-01-25T17:15:09.288" v="72"/>
+      <pc:docMkLst>
+        <pc:docMk/>
+      </pc:docMkLst>
+      <pc:sldChg chg="ord">
+        <pc:chgData name="Andrea Vergine" userId="890246548b1a9e12" providerId="LiveId" clId="{BE537ACD-8B08-4830-BC63-2263FABADBB6}" dt="2021-01-25T17:15:09.288" v="72"/>
+        <pc:sldMkLst>
+          <pc:docMk/>
+          <pc:sldMk cId="0" sldId="258"/>
+        </pc:sldMkLst>
+      </pc:sldChg>
+      <pc:sldChg chg="modSp">
+        <pc:chgData name="Andrea Vergine" userId="890246548b1a9e12" providerId="LiveId" clId="{BE537ACD-8B08-4830-BC63-2263FABADBB6}" dt="2021-01-25T17:12:27.546" v="6" actId="20577"/>
+        <pc:sldMkLst>
+          <pc:docMk/>
+          <pc:sldMk cId="4264121965" sldId="269"/>
+        </pc:sldMkLst>
+        <pc:spChg chg="mod">
+          <ac:chgData name="Andrea Vergine" userId="890246548b1a9e12" providerId="LiveId" clId="{BE537ACD-8B08-4830-BC63-2263FABADBB6}" dt="2021-01-25T17:12:27.546" v="6" actId="20577"/>
+          <ac:spMkLst>
+            <pc:docMk/>
+            <pc:sldMk cId="4264121965" sldId="269"/>
+            <ac:spMk id="7" creationId="{825E9533-DD58-4FF2-ACEE-0294528C3F20}"/>
+          </ac:spMkLst>
+        </pc:spChg>
+      </pc:sldChg>
+      <pc:sldChg chg="modSp mod">
+        <pc:chgData name="Andrea Vergine" userId="890246548b1a9e12" providerId="LiveId" clId="{BE537ACD-8B08-4830-BC63-2263FABADBB6}" dt="2021-01-25T17:12:55.941" v="70" actId="20577"/>
+        <pc:sldMkLst>
+          <pc:docMk/>
+          <pc:sldMk cId="0" sldId="279"/>
+        </pc:sldMkLst>
+        <pc:spChg chg="mod">
+          <ac:chgData name="Andrea Vergine" userId="890246548b1a9e12" providerId="LiveId" clId="{BE537ACD-8B08-4830-BC63-2263FABADBB6}" dt="2021-01-25T17:12:55.941" v="70" actId="20577"/>
+          <ac:spMkLst>
+            <pc:docMk/>
+            <pc:sldMk cId="0" sldId="279"/>
+            <ac:spMk id="6" creationId="{87A7F6EC-1B35-45B4-812D-31A846988C9A}"/>
+          </ac:spMkLst>
+        </pc:spChg>
+      </pc:sldChg>
+    </pc:docChg>
+  </pc:docChgLst>
+</pc:chgInfo>
 </file>
 
 <file path=ppt/notesMasters/notesMaster1.xml><?xml version="1.0" encoding="utf-8"?>
@@ -7962,8 +7986,8 @@
           </a:prstGeom>
         </p:spPr>
       </p:pic>
-      <mc:AlternateContent xmlns:mc="http://schemas.openxmlformats.org/markup-compatibility/2006">
-        <mc:Choice xmlns:a14="http://schemas.microsoft.com/office/drawing/2010/main" Requires="a14">
+      <mc:AlternateContent xmlns:mc="http://schemas.openxmlformats.org/markup-compatibility/2006" xmlns:a14="http://schemas.microsoft.com/office/drawing/2010/main">
+        <mc:Choice Requires="a14">
           <p:sp>
             <p:nvSpPr>
               <p:cNvPr id="2" name="CasellaDiTesto 1">
@@ -8061,7 +8085,7 @@
             </p:txBody>
           </p:sp>
         </mc:Choice>
-        <mc:Fallback>
+        <mc:Fallback xmlns="">
           <p:sp>
             <p:nvSpPr>
               <p:cNvPr id="2" name="CasellaDiTesto 1">
@@ -9080,8 +9104,8 @@
           </a:prstGeom>
         </p:spPr>
       </p:pic>
-      <mc:AlternateContent xmlns:mc="http://schemas.openxmlformats.org/markup-compatibility/2006">
-        <mc:Choice xmlns:a14="http://schemas.microsoft.com/office/drawing/2010/main" Requires="a14">
+      <mc:AlternateContent xmlns:mc="http://schemas.openxmlformats.org/markup-compatibility/2006" xmlns:a14="http://schemas.microsoft.com/office/drawing/2010/main">
+        <mc:Choice Requires="a14">
           <p:sp>
             <p:nvSpPr>
               <p:cNvPr id="7" name="CasellaDiTesto 6">
@@ -9133,7 +9157,7 @@
                         <a:rPr lang="it-IT" b="0" i="1" smtClean="0">
                           <a:latin typeface="Cambria Math" panose="02040503050406030204" pitchFamily="18" charset="0"/>
                         </a:rPr>
-                        <m:t>𝑠𝑒𝑥</m:t>
+                        <m:t>𝑑𝑜𝑠𝑒</m:t>
                       </m:r>
                       <m:r>
                         <a:rPr lang="it-IT" b="0" i="1" smtClean="0">
@@ -9145,7 +9169,7 @@
                         <a:rPr lang="it-IT" b="0" i="1" smtClean="0">
                           <a:latin typeface="Cambria Math" panose="02040503050406030204" pitchFamily="18" charset="0"/>
                         </a:rPr>
-                        <m:t>𝑑𝑜𝑠𝑒</m:t>
+                        <m:t>𝑠𝑒𝑥</m:t>
                       </m:r>
                     </m:oMath>
                   </m:oMathPara>
@@ -9155,7 +9179,7 @@
             </p:txBody>
           </p:sp>
         </mc:Choice>
-        <mc:Fallback>
+        <mc:Fallback xmlns="">
           <p:sp>
             <p:nvSpPr>
               <p:cNvPr id="7" name="CasellaDiTesto 6">
@@ -9181,7 +9205,7 @@
               <a:blipFill>
                 <a:blip r:embed="rId4"/>
                 <a:stretch>
-                  <a:fillRect l="-590" r="-147" b="-25000"/>
+                  <a:fillRect l="-590" b="-25000"/>
                 </a:stretch>
               </a:blipFill>
             </p:spPr>
@@ -10154,8 +10178,8 @@
           </a:prstGeom>
         </p:spPr>
       </p:pic>
-      <mc:AlternateContent xmlns:mc="http://schemas.openxmlformats.org/markup-compatibility/2006">
-        <mc:Choice xmlns:a14="http://schemas.microsoft.com/office/drawing/2010/main" Requires="a14">
+      <mc:AlternateContent xmlns:mc="http://schemas.openxmlformats.org/markup-compatibility/2006" xmlns:a14="http://schemas.microsoft.com/office/drawing/2010/main">
+        <mc:Choice Requires="a14">
           <p:sp>
             <p:nvSpPr>
               <p:cNvPr id="7" name="CasellaDiTesto 6">
@@ -10229,7 +10253,7 @@
             </p:txBody>
           </p:sp>
         </mc:Choice>
-        <mc:Fallback>
+        <mc:Fallback xmlns="">
           <p:sp>
             <p:nvSpPr>
               <p:cNvPr id="7" name="CasellaDiTesto 6">
@@ -13226,8 +13250,8 @@
         </p:nvSpPr>
         <p:spPr>
           <a:xfrm>
-            <a:off x="1982811" y="232640"/>
-            <a:ext cx="5178373" cy="461665"/>
+            <a:off x="1044565" y="232639"/>
+            <a:ext cx="7054863" cy="461665"/>
           </a:xfrm>
           <a:prstGeom prst="rect">
             <a:avLst/>
@@ -13301,10 +13325,44 @@
                 <a:cs typeface="Arial"/>
                 <a:sym typeface="Playfair Display Regular"/>
               </a:rPr>
-              <a:t> </a:t>
+              <a:t> (</a:t>
             </a:r>
             <a:r>
-              <a:rPr kumimoji="0" lang="it-IT" sz="2400" b="1" i="0" u="none" strike="noStrike" kern="0" cap="none" spc="0" normalizeH="0" baseline="0" noProof="0">
+              <a:rPr kumimoji="0" lang="it-IT" sz="2400" b="1" i="0" u="none" strike="noStrike" kern="0" cap="none" spc="0" normalizeH="0" baseline="0" noProof="0" dirty="0" err="1">
+                <a:ln>
+                  <a:noFill/>
+                </a:ln>
+                <a:solidFill>
+                  <a:srgbClr val="AD9B91"/>
+                </a:solidFill>
+                <a:effectLst/>
+                <a:uLnTx/>
+                <a:uFillTx/>
+                <a:latin typeface="Playfair Display Regular"/>
+                <a:cs typeface="Arial"/>
+                <a:sym typeface="Playfair Display Regular"/>
+              </a:rPr>
+              <a:t>backward</a:t>
+            </a:r>
+            <a:r>
+              <a:rPr kumimoji="0" lang="it-IT" sz="2400" b="1" i="0" u="none" strike="noStrike" kern="0" cap="none" spc="0" normalizeH="0" baseline="0" noProof="0" dirty="0">
+                <a:ln>
+                  <a:noFill/>
+                </a:ln>
+                <a:solidFill>
+                  <a:srgbClr val="AD9B91"/>
+                </a:solidFill>
+                <a:effectLst/>
+                <a:uLnTx/>
+                <a:uFillTx/>
+                <a:latin typeface="Playfair Display Regular"/>
+                <a:cs typeface="Arial"/>
+                <a:sym typeface="Playfair Display Regular"/>
+              </a:rPr>
+              <a:t>) </a:t>
+            </a:r>
+            <a:r>
+              <a:rPr kumimoji="0" lang="it-IT" sz="2400" b="1" i="0" u="none" strike="noStrike" kern="0" cap="none" spc="0" normalizeH="0" baseline="0" noProof="0" dirty="0" err="1">
                 <a:ln>
                   <a:noFill/>
                 </a:ln>
@@ -13388,8 +13446,8 @@
           </a:p>
         </p:txBody>
       </p:sp>
-      <mc:AlternateContent xmlns:mc="http://schemas.openxmlformats.org/markup-compatibility/2006">
-        <mc:Choice xmlns:a14="http://schemas.microsoft.com/office/drawing/2010/main" Requires="a14">
+      <mc:AlternateContent xmlns:mc="http://schemas.openxmlformats.org/markup-compatibility/2006" xmlns:a14="http://schemas.microsoft.com/office/drawing/2010/main">
+        <mc:Choice Requires="a14">
           <p:sp>
             <p:nvSpPr>
               <p:cNvPr id="7" name="CasellaDiTesto 6">
@@ -13571,7 +13629,7 @@
             </p:txBody>
           </p:sp>
         </mc:Choice>
-        <mc:Fallback>
+        <mc:Fallback xmlns="">
           <p:sp>
             <p:nvSpPr>
               <p:cNvPr id="7" name="CasellaDiTesto 6">
@@ -16337,12 +16395,22 @@
           </a:lstStyle>
           <a:p>
             <a:r>
-              <a:rPr lang="it-IT" sz="6000" b="1">
+              <a:rPr lang="it-IT" sz="6000" b="1" dirty="0">
                 <a:solidFill>
                   <a:schemeClr val="accent1"/>
                 </a:solidFill>
               </a:rPr>
-              <a:t>Grazie per l’attenzione</a:t>
+              <a:t>Thanks for</a:t>
+            </a:r>
+          </a:p>
+          <a:p>
+            <a:r>
+              <a:rPr lang="it-IT" sz="6000" b="1" dirty="0">
+                <a:solidFill>
+                  <a:schemeClr val="accent1"/>
+                </a:solidFill>
+              </a:rPr>
+              <a:t>your attention!</a:t>
             </a:r>
           </a:p>
         </p:txBody>
@@ -16654,7 +16722,7 @@
         </p:nvGrpSpPr>
         <p:grpSpPr>
           <a:xfrm>
-            <a:off x="6280557" y="891261"/>
+            <a:off x="6437954" y="891261"/>
             <a:ext cx="1268560" cy="1237124"/>
             <a:chOff x="1278900" y="2333250"/>
             <a:chExt cx="381175" cy="381175"/>
